--- a/Presentaties/4Wekelijkse PowerPoint/ppt_enocean_.pptx
+++ b/Presentaties/4Wekelijkse PowerPoint/ppt_enocean_.pptx
@@ -4241,13 +4241,23 @@
             </a:pPr>
             <a:r>
               <a:rPr lang="nl-BE" dirty="0"/>
-              <a:t>Bart </a:t>
-            </a:r>
-            <a:r>
-              <a:rPr lang="nl-BE" dirty="0" err="1"/>
-              <a:t>Grispen</a:t>
-            </a:r>
-            <a:endParaRPr lang="nl-BE" dirty="0"/>
+              <a:t>Bart Grispen</a:t>
+            </a:r>
+          </a:p>
+          <a:p>
+            <a:pPr marL="0" lvl="0" indent="0" algn="r" rtl="0">
+              <a:spcBef>
+                <a:spcPts val="0"/>
+              </a:spcBef>
+              <a:spcAft>
+                <a:spcPts val="0"/>
+              </a:spcAft>
+              <a:buNone/>
+            </a:pPr>
+            <a:r>
+              <a:rPr lang="nl-BE" dirty="0"/>
+              <a:t>Arne Dubois</a:t>
+            </a:r>
           </a:p>
           <a:p>
             <a:pPr marL="0" lvl="0" indent="0" algn="r" rtl="0">

--- a/Presentaties/4Wekelijkse PowerPoint/ppt_enocean_.pptx
+++ b/Presentaties/4Wekelijkse PowerPoint/ppt_enocean_.pptx
@@ -21,23 +21,23 @@
   <p:notesSz cx="6858000" cy="9144000"/>
   <p:embeddedFontLst>
     <p:embeddedFont>
-      <p:font typeface="Abel" panose="020B0604020202020204" charset="0"/>
+      <p:font typeface="Dosis ExtraLight" panose="020B0604020202020204" charset="0"/>
       <p:regular r:id="rId11"/>
+      <p:bold r:id="rId12"/>
     </p:embeddedFont>
     <p:embeddedFont>
-      <p:font typeface="Dosis ExtraLight" panose="020B0604020202020204" charset="0"/>
-      <p:regular r:id="rId12"/>
-      <p:bold r:id="rId13"/>
+      <p:font typeface="Abel" panose="020B0604020202020204" charset="0"/>
+      <p:regular r:id="rId13"/>
     </p:embeddedFont>
     <p:embeddedFont>
-      <p:font typeface="Fira Sans Condensed ExtraLight" panose="020B0604020202020204" charset="0"/>
+      <p:font typeface="Josefin Sans" panose="020B0604020202020204" charset="0"/>
       <p:regular r:id="rId14"/>
       <p:bold r:id="rId15"/>
       <p:italic r:id="rId16"/>
       <p:boldItalic r:id="rId17"/>
     </p:embeddedFont>
     <p:embeddedFont>
-      <p:font typeface="Josefin Sans" panose="020B0604020202020204" charset="0"/>
+      <p:font typeface="Fira Sans Condensed ExtraLight" panose="020B0604020202020204" charset="0"/>
       <p:regular r:id="rId18"/>
       <p:bold r:id="rId19"/>
       <p:italic r:id="rId20"/>
@@ -7466,6 +7466,30 @@
           </a:p>
         </p:txBody>
       </p:sp>
+      <p:pic>
+        <p:nvPicPr>
+          <p:cNvPr id="2" name="Picture 1"/>
+          <p:cNvPicPr>
+            <a:picLocks noChangeAspect="1"/>
+          </p:cNvPicPr>
+          <p:nvPr/>
+        </p:nvPicPr>
+        <p:blipFill>
+          <a:blip r:embed="rId3"/>
+          <a:stretch>
+            <a:fillRect/>
+          </a:stretch>
+        </p:blipFill>
+        <p:spPr>
+          <a:xfrm>
+            <a:off x="4003548" y="1973852"/>
+            <a:ext cx="4313344" cy="2732259"/>
+          </a:xfrm>
+          <a:prstGeom prst="rect">
+            <a:avLst/>
+          </a:prstGeom>
+        </p:spPr>
+      </p:pic>
     </p:spTree>
     <p:extLst>
       <p:ext uri="{BB962C8B-B14F-4D97-AF65-F5344CB8AC3E}">

--- a/Presentaties/4Wekelijkse PowerPoint/ppt_enocean_.pptx
+++ b/Presentaties/4Wekelijkse PowerPoint/ppt_enocean_.pptx
@@ -21,23 +21,23 @@
   <p:notesSz cx="6858000" cy="9144000"/>
   <p:embeddedFontLst>
     <p:embeddedFont>
-      <p:font typeface="Dosis ExtraLight" panose="020B0604020202020204" charset="0"/>
+      <p:font typeface="Abel" panose="020B0604020202020204" charset="0"/>
       <p:regular r:id="rId11"/>
-      <p:bold r:id="rId12"/>
     </p:embeddedFont>
     <p:embeddedFont>
-      <p:font typeface="Abel" panose="020B0604020202020204" charset="0"/>
-      <p:regular r:id="rId13"/>
+      <p:font typeface="Dosis ExtraLight" panose="020B0604020202020204" charset="0"/>
+      <p:regular r:id="rId12"/>
+      <p:bold r:id="rId13"/>
     </p:embeddedFont>
     <p:embeddedFont>
-      <p:font typeface="Josefin Sans" panose="020B0604020202020204" charset="0"/>
+      <p:font typeface="Fira Sans Condensed ExtraLight" panose="020B0604020202020204" charset="0"/>
       <p:regular r:id="rId14"/>
       <p:bold r:id="rId15"/>
       <p:italic r:id="rId16"/>
       <p:boldItalic r:id="rId17"/>
     </p:embeddedFont>
     <p:embeddedFont>
-      <p:font typeface="Fira Sans Condensed ExtraLight" panose="020B0604020202020204" charset="0"/>
+      <p:font typeface="Josefin Sans" panose="020B0604020202020204" charset="0"/>
       <p:regular r:id="rId18"/>
       <p:bold r:id="rId19"/>
       <p:italic r:id="rId20"/>
@@ -6716,53 +6716,6 @@
       </p:sp>
       <p:pic>
         <p:nvPicPr>
-          <p:cNvPr id="6" name="Picture 2">
-            <a:extLst>
-              <a:ext uri="{FF2B5EF4-FFF2-40B4-BE49-F238E27FC236}">
-                <a16:creationId xmlns:a16="http://schemas.microsoft.com/office/drawing/2014/main" id="{01D6D5A8-E504-440F-ACE9-32D57F3870DE}"/>
-              </a:ext>
-            </a:extLst>
-          </p:cNvPr>
-          <p:cNvPicPr>
-            <a:picLocks noChangeAspect="1" noChangeArrowheads="1"/>
-          </p:cNvPicPr>
-          <p:nvPr/>
-        </p:nvPicPr>
-        <p:blipFill>
-          <a:blip r:embed="rId3">
-            <a:extLst>
-              <a:ext uri="{28A0092B-C50C-407E-A947-70E740481C1C}">
-                <a14:useLocalDpi xmlns:a14="http://schemas.microsoft.com/office/drawing/2010/main" val="0"/>
-              </a:ext>
-            </a:extLst>
-          </a:blip>
-          <a:srcRect/>
-          <a:stretch>
-            <a:fillRect/>
-          </a:stretch>
-        </p:blipFill>
-        <p:spPr bwMode="auto">
-          <a:xfrm>
-            <a:off x="4691400" y="2099328"/>
-            <a:ext cx="4418319" cy="640110"/>
-          </a:xfrm>
-          <a:prstGeom prst="rect">
-            <a:avLst/>
-          </a:prstGeom>
-          <a:noFill/>
-          <a:extLst>
-            <a:ext uri="{909E8E84-426E-40DD-AFC4-6F175D3DCCD1}">
-              <a14:hiddenFill xmlns:a14="http://schemas.microsoft.com/office/drawing/2010/main">
-                <a:solidFill>
-                  <a:srgbClr val="FFFFFF"/>
-                </a:solidFill>
-              </a14:hiddenFill>
-            </a:ext>
-          </a:extLst>
-        </p:spPr>
-      </p:pic>
-      <p:pic>
-        <p:nvPicPr>
           <p:cNvPr id="9" name="Picture 4">
             <a:extLst>
               <a:ext uri="{FF2B5EF4-FFF2-40B4-BE49-F238E27FC236}">
@@ -6776,7 +6729,7 @@
           <p:nvPr/>
         </p:nvPicPr>
         <p:blipFill>
-          <a:blip r:embed="rId4">
+          <a:blip r:embed="rId3">
             <a:extLst>
               <a:ext uri="{28A0092B-C50C-407E-A947-70E740481C1C}">
                 <a14:useLocalDpi xmlns:a14="http://schemas.microsoft.com/office/drawing/2010/main" val="0"/>
@@ -6910,6 +6863,53 @@
           </a:p>
         </p:txBody>
       </p:sp>
+      <p:pic>
+        <p:nvPicPr>
+          <p:cNvPr id="1026" name="Picture 2">
+            <a:extLst>
+              <a:ext uri="{FF2B5EF4-FFF2-40B4-BE49-F238E27FC236}">
+                <a16:creationId xmlns:a16="http://schemas.microsoft.com/office/drawing/2014/main" id="{93572CC8-1285-4B89-8D0B-7B9A0AA27D05}"/>
+              </a:ext>
+            </a:extLst>
+          </p:cNvPr>
+          <p:cNvPicPr>
+            <a:picLocks noChangeAspect="1" noChangeArrowheads="1"/>
+          </p:cNvPicPr>
+          <p:nvPr/>
+        </p:nvPicPr>
+        <p:blipFill>
+          <a:blip r:embed="rId4">
+            <a:extLst>
+              <a:ext uri="{28A0092B-C50C-407E-A947-70E740481C1C}">
+                <a14:useLocalDpi xmlns:a14="http://schemas.microsoft.com/office/drawing/2010/main" val="0"/>
+              </a:ext>
+            </a:extLst>
+          </a:blip>
+          <a:srcRect/>
+          <a:stretch>
+            <a:fillRect/>
+          </a:stretch>
+        </p:blipFill>
+        <p:spPr bwMode="auto">
+          <a:xfrm>
+            <a:off x="4691400" y="2086590"/>
+            <a:ext cx="4293900" cy="595951"/>
+          </a:xfrm>
+          <a:prstGeom prst="rect">
+            <a:avLst/>
+          </a:prstGeom>
+          <a:noFill/>
+          <a:extLst>
+            <a:ext uri="{909E8E84-426E-40DD-AFC4-6F175D3DCCD1}">
+              <a14:hiddenFill xmlns:a14="http://schemas.microsoft.com/office/drawing/2010/main">
+                <a:solidFill>
+                  <a:srgbClr val="FFFFFF"/>
+                </a:solidFill>
+              </a14:hiddenFill>
+            </a:ext>
+          </a:extLst>
+        </p:spPr>
+      </p:pic>
     </p:spTree>
     <p:extLst>
       <p:ext uri="{BB962C8B-B14F-4D97-AF65-F5344CB8AC3E}">

--- a/Presentaties/4Wekelijkse PowerPoint/ppt_enocean_.pptx
+++ b/Presentaties/4Wekelijkse PowerPoint/ppt_enocean_.pptx
@@ -4924,27 +4924,6 @@
           </a:bodyPr>
           <a:lstStyle/>
           <a:p>
-            <a:pPr marL="158750" lvl="0" indent="0">
-              <a:spcAft>
-                <a:spcPts val="600"/>
-              </a:spcAft>
-              <a:buClr>
-                <a:srgbClr val="FFFFFF"/>
-              </a:buClr>
-              <a:buSzPts val="1100"/>
-              <a:buNone/>
-            </a:pPr>
-            <a:endParaRPr lang="en-US" sz="1600" dirty="0">
-              <a:solidFill>
-                <a:srgbClr val="FFFFFF"/>
-              </a:solidFill>
-              <a:latin typeface="Dosis ExtraLight"/>
-              <a:ea typeface="Dosis ExtraLight"/>
-              <a:cs typeface="Dosis ExtraLight"/>
-              <a:sym typeface="Dosis ExtraLight"/>
-            </a:endParaRPr>
-          </a:p>
-          <a:p>
             <a:pPr lvl="0">
               <a:spcAft>
                 <a:spcPts val="600"/>
@@ -5952,27 +5931,6 @@
           </a:bodyPr>
           <a:lstStyle/>
           <a:p>
-            <a:pPr marL="158750" lvl="0" indent="0">
-              <a:spcAft>
-                <a:spcPts val="600"/>
-              </a:spcAft>
-              <a:buClr>
-                <a:srgbClr val="FFFFFF"/>
-              </a:buClr>
-              <a:buSzPts val="1100"/>
-              <a:buNone/>
-            </a:pPr>
-            <a:endParaRPr lang="en-US" sz="1600" dirty="0">
-              <a:solidFill>
-                <a:srgbClr val="FFFFFF"/>
-              </a:solidFill>
-              <a:latin typeface="Dosis ExtraLight"/>
-              <a:ea typeface="Dosis ExtraLight"/>
-              <a:cs typeface="Dosis ExtraLight"/>
-              <a:sym typeface="Dosis ExtraLight"/>
-            </a:endParaRPr>
-          </a:p>
-          <a:p>
             <a:pPr lvl="0">
               <a:spcAft>
                 <a:spcPts val="600"/>
@@ -6458,27 +6416,6 @@
           </a:bodyPr>
           <a:lstStyle/>
           <a:p>
-            <a:pPr marL="158750" lvl="0" indent="0">
-              <a:spcAft>
-                <a:spcPts val="600"/>
-              </a:spcAft>
-              <a:buClr>
-                <a:srgbClr val="FFFFFF"/>
-              </a:buClr>
-              <a:buSzPts val="1100"/>
-              <a:buNone/>
-            </a:pPr>
-            <a:endParaRPr lang="en-US" sz="1600" dirty="0">
-              <a:solidFill>
-                <a:srgbClr val="FFFFFF"/>
-              </a:solidFill>
-              <a:latin typeface="Dosis ExtraLight"/>
-              <a:ea typeface="Dosis ExtraLight"/>
-              <a:cs typeface="Dosis ExtraLight"/>
-              <a:sym typeface="Dosis ExtraLight"/>
-            </a:endParaRPr>
-          </a:p>
-          <a:p>
             <a:pPr lvl="0">
               <a:spcAft>
                 <a:spcPts val="600"/>
@@ -6743,7 +6680,7 @@
         </p:blipFill>
         <p:spPr bwMode="auto">
           <a:xfrm>
-            <a:off x="4691400" y="3137622"/>
+            <a:off x="4691400" y="2856890"/>
             <a:ext cx="3161518" cy="1170933"/>
           </a:xfrm>
           <a:prstGeom prst="rect">
@@ -6892,7 +6829,7 @@
         </p:blipFill>
         <p:spPr bwMode="auto">
           <a:xfrm>
-            <a:off x="4691400" y="2086590"/>
+            <a:off x="4691400" y="1828674"/>
             <a:ext cx="4293900" cy="595951"/>
           </a:xfrm>
           <a:prstGeom prst="rect">
